--- a/Presentation.pptx
+++ b/Presentation.pptx
@@ -2741,13 +2741,7 @@
               <a:rPr b="0" lang="en-US" sz="4400" spc="-1" strike="noStrike">
                 <a:latin typeface="Arial"/>
               </a:rPr>
-              <a:t>Click to edit the title text </a:t>
-            </a:r>
-            <a:r>
-              <a:rPr b="0" lang="en-US" sz="4400" spc="-1" strike="noStrike">
-                <a:latin typeface="Arial"/>
-              </a:rPr>
-              <a:t>format</a:t>
+              <a:t>Click to edit the title text format</a:t>
             </a:r>
             <a:endParaRPr b="0" lang="en-US" sz="4400" spc="-1" strike="noStrike">
               <a:latin typeface="Arial"/>
@@ -3251,7 +3245,7 @@
         <p:spPr>
           <a:xfrm>
             <a:off x="4419720" y="2419200"/>
-            <a:ext cx="301680" cy="301680"/>
+            <a:ext cx="301320" cy="301320"/>
           </a:xfrm>
           <a:prstGeom prst="rect">
             <a:avLst/>
@@ -3277,7 +3271,7 @@
         <p:spPr>
           <a:xfrm>
             <a:off x="214200" y="4078440"/>
-            <a:ext cx="8712720" cy="470880"/>
+            <a:ext cx="8712360" cy="470520"/>
           </a:xfrm>
           <a:prstGeom prst="rect">
             <a:avLst/>
@@ -3330,7 +3324,7 @@
         <p:spPr>
           <a:xfrm>
             <a:off x="1828800" y="822960"/>
-            <a:ext cx="5592960" cy="3200400"/>
+            <a:ext cx="5592600" cy="3200040"/>
           </a:xfrm>
           <a:prstGeom prst="rect">
             <a:avLst/>
@@ -3408,7 +3402,7 @@
         <p:spPr>
           <a:xfrm>
             <a:off x="457200" y="205200"/>
-            <a:ext cx="8226360" cy="854280"/>
+            <a:ext cx="8226000" cy="853920"/>
           </a:xfrm>
           <a:prstGeom prst="rect">
             <a:avLst/>
@@ -3457,7 +3451,7 @@
         <p:spPr>
           <a:xfrm>
             <a:off x="768240" y="1645920"/>
-            <a:ext cx="7769880" cy="2159640"/>
+            <a:ext cx="7769520" cy="2159280"/>
           </a:xfrm>
           <a:prstGeom prst="rect">
             <a:avLst/>
@@ -3516,7 +3510,7 @@
             </a:endParaRPr>
           </a:p>
           <a:p>
-            <a:pPr lvl="1" marL="432000" indent="-214920">
+            <a:pPr lvl="1" marL="432000" indent="-214560">
               <a:lnSpc>
                 <a:spcPct val="100000"/>
               </a:lnSpc>
@@ -3582,7 +3576,7 @@
             </a:endParaRPr>
           </a:p>
           <a:p>
-            <a:pPr lvl="1" marL="432000" indent="-214920">
+            <a:pPr lvl="1" marL="432000" indent="-214560">
               <a:lnSpc>
                 <a:spcPct val="100000"/>
               </a:lnSpc>
@@ -3608,7 +3602,7 @@
             </a:endParaRPr>
           </a:p>
           <a:p>
-            <a:pPr lvl="1" marL="432000" indent="-214920">
+            <a:pPr lvl="1" marL="432000" indent="-214560">
               <a:lnSpc>
                 <a:spcPct val="100000"/>
               </a:lnSpc>
@@ -3634,7 +3628,7 @@
             </a:endParaRPr>
           </a:p>
           <a:p>
-            <a:pPr lvl="1" marL="432000" indent="-214920">
+            <a:pPr lvl="1" marL="432000" indent="-214560">
               <a:lnSpc>
                 <a:spcPct val="100000"/>
               </a:lnSpc>
@@ -3670,7 +3664,7 @@
         <p:spPr>
           <a:xfrm>
             <a:off x="6097680" y="4389480"/>
-            <a:ext cx="2952360" cy="229680"/>
+            <a:ext cx="2952000" cy="229320"/>
           </a:xfrm>
           <a:prstGeom prst="rect">
             <a:avLst/>
@@ -3723,7 +3717,7 @@
         <p:spPr>
           <a:xfrm>
             <a:off x="6492240" y="1828800"/>
-            <a:ext cx="1370880" cy="1370880"/>
+            <a:ext cx="1370520" cy="1370520"/>
           </a:xfrm>
           <a:prstGeom prst="rect">
             <a:avLst/>
@@ -3801,7 +3795,7 @@
         <p:spPr>
           <a:xfrm>
             <a:off x="457200" y="205200"/>
-            <a:ext cx="8226360" cy="854280"/>
+            <a:ext cx="8226000" cy="853920"/>
           </a:xfrm>
           <a:prstGeom prst="rect">
             <a:avLst/>
@@ -3850,7 +3844,7 @@
         <p:spPr>
           <a:xfrm>
             <a:off x="768240" y="1371600"/>
-            <a:ext cx="7769880" cy="2159640"/>
+            <a:ext cx="7769520" cy="2159280"/>
           </a:xfrm>
           <a:prstGeom prst="rect">
             <a:avLst/>
@@ -3899,7 +3893,7 @@
             </a:endParaRPr>
           </a:p>
           <a:p>
-            <a:pPr lvl="1" marL="432000" indent="-214920">
+            <a:pPr lvl="1" marL="432000" indent="-214560">
               <a:lnSpc>
                 <a:spcPct val="100000"/>
               </a:lnSpc>
@@ -3925,7 +3919,7 @@
             </a:endParaRPr>
           </a:p>
           <a:p>
-            <a:pPr lvl="1" marL="432000" indent="-214920">
+            <a:pPr lvl="1" marL="432000" indent="-214560">
               <a:lnSpc>
                 <a:spcPct val="100000"/>
               </a:lnSpc>
@@ -3985,7 +3979,7 @@
         <p:spPr>
           <a:xfrm>
             <a:off x="1097280" y="2651760"/>
-            <a:ext cx="1212840" cy="1218960"/>
+            <a:ext cx="1212480" cy="1218600"/>
           </a:xfrm>
           <a:prstGeom prst="rect">
             <a:avLst/>
@@ -4008,7 +4002,7 @@
         <p:spPr>
           <a:xfrm>
             <a:off x="6858000" y="2631960"/>
-            <a:ext cx="1299240" cy="1299240"/>
+            <a:ext cx="1298880" cy="1298880"/>
           </a:xfrm>
           <a:prstGeom prst="rect">
             <a:avLst/>
@@ -4086,7 +4080,7 @@
         <p:spPr>
           <a:xfrm>
             <a:off x="457200" y="205200"/>
-            <a:ext cx="8226360" cy="854280"/>
+            <a:ext cx="8226000" cy="853920"/>
           </a:xfrm>
           <a:prstGeom prst="rect">
             <a:avLst/>
@@ -4135,7 +4129,7 @@
         <p:spPr>
           <a:xfrm>
             <a:off x="457200" y="1331640"/>
-            <a:ext cx="7860960" cy="2323080"/>
+            <a:ext cx="7860600" cy="2322720"/>
           </a:xfrm>
           <a:prstGeom prst="rect">
             <a:avLst/>
@@ -4154,7 +4148,7 @@
         <p:txBody>
           <a:bodyPr lIns="90000" rIns="90000" tIns="45000" bIns="45000"/>
           <a:p>
-            <a:pPr marL="457200" indent="-390600">
+            <a:pPr marL="457200" indent="-390240">
               <a:lnSpc>
                 <a:spcPct val="100000"/>
               </a:lnSpc>
@@ -4179,7 +4173,7 @@
             </a:endParaRPr>
           </a:p>
           <a:p>
-            <a:pPr marL="457200" indent="-390600">
+            <a:pPr marL="457200" indent="-390240">
               <a:lnSpc>
                 <a:spcPct val="100000"/>
               </a:lnSpc>
@@ -4204,7 +4198,7 @@
             </a:endParaRPr>
           </a:p>
           <a:p>
-            <a:pPr marL="457200" indent="-390600">
+            <a:pPr marL="457200" indent="-390240">
               <a:lnSpc>
                 <a:spcPct val="100000"/>
               </a:lnSpc>
@@ -4229,7 +4223,7 @@
             </a:endParaRPr>
           </a:p>
           <a:p>
-            <a:pPr marL="457200" indent="-390600">
+            <a:pPr marL="457200" indent="-390240">
               <a:lnSpc>
                 <a:spcPct val="100000"/>
               </a:lnSpc>
@@ -4254,7 +4248,7 @@
             </a:endParaRPr>
           </a:p>
           <a:p>
-            <a:pPr marL="457200" indent="-390600">
+            <a:pPr marL="457200" indent="-390240">
               <a:lnSpc>
                 <a:spcPct val="100000"/>
               </a:lnSpc>
@@ -4279,7 +4273,7 @@
             </a:endParaRPr>
           </a:p>
           <a:p>
-            <a:pPr marL="457200" indent="-390600">
+            <a:pPr marL="457200" indent="-390240">
               <a:lnSpc>
                 <a:spcPct val="100000"/>
               </a:lnSpc>
@@ -4304,7 +4298,7 @@
             </a:endParaRPr>
           </a:p>
           <a:p>
-            <a:pPr marL="457200" indent="-390600">
+            <a:pPr marL="457200" indent="-390240">
               <a:lnSpc>
                 <a:spcPct val="100000"/>
               </a:lnSpc>
@@ -4408,7 +4402,7 @@
         <p:spPr>
           <a:xfrm>
             <a:off x="195480" y="976680"/>
-            <a:ext cx="8488080" cy="3328920"/>
+            <a:ext cx="8487720" cy="3328560"/>
           </a:xfrm>
           <a:prstGeom prst="rect">
             <a:avLst/>
@@ -4606,7 +4600,7 @@
         <p:spPr>
           <a:xfrm>
             <a:off x="457200" y="205200"/>
-            <a:ext cx="8226360" cy="854280"/>
+            <a:ext cx="8226000" cy="853920"/>
           </a:xfrm>
           <a:prstGeom prst="rect">
             <a:avLst/>
@@ -4655,7 +4649,7 @@
         <p:spPr>
           <a:xfrm>
             <a:off x="435240" y="1396080"/>
-            <a:ext cx="8708040" cy="2068560"/>
+            <a:ext cx="8707680" cy="2068200"/>
           </a:xfrm>
           <a:prstGeom prst="rect">
             <a:avLst/>
@@ -4674,7 +4668,7 @@
         <p:txBody>
           <a:bodyPr lIns="90000" rIns="90000" tIns="45000" bIns="45000"/>
           <a:p>
-            <a:pPr marL="536040" indent="-456480">
+            <a:pPr marL="536040" indent="-456120">
               <a:lnSpc>
                 <a:spcPct val="100000"/>
               </a:lnSpc>
@@ -4719,7 +4713,7 @@
             </a:endParaRPr>
           </a:p>
           <a:p>
-            <a:pPr marL="536040" indent="-456480">
+            <a:pPr marL="536040" indent="-456120">
               <a:lnSpc>
                 <a:spcPct val="100000"/>
               </a:lnSpc>
@@ -4776,7 +4770,7 @@
             </a:endParaRPr>
           </a:p>
           <a:p>
-            <a:pPr marL="536040" indent="-456480">
+            <a:pPr marL="536040" indent="-456120">
               <a:lnSpc>
                 <a:spcPct val="100000"/>
               </a:lnSpc>
@@ -4880,7 +4874,7 @@
         <p:spPr>
           <a:xfrm>
             <a:off x="457200" y="205200"/>
-            <a:ext cx="8226360" cy="854280"/>
+            <a:ext cx="8226000" cy="853920"/>
           </a:xfrm>
           <a:prstGeom prst="rect">
             <a:avLst/>
@@ -4929,7 +4923,7 @@
         <p:spPr>
           <a:xfrm>
             <a:off x="548640" y="1452960"/>
-            <a:ext cx="8134920" cy="2068560"/>
+            <a:ext cx="8134560" cy="2068200"/>
           </a:xfrm>
           <a:prstGeom prst="rect">
             <a:avLst/>
@@ -4948,7 +4942,7 @@
         <p:txBody>
           <a:bodyPr lIns="90000" rIns="90000" tIns="45000" bIns="45000"/>
           <a:p>
-            <a:pPr marL="421920" indent="-342360">
+            <a:pPr marL="421920" indent="-342000">
               <a:lnSpc>
                 <a:spcPct val="100000"/>
               </a:lnSpc>
@@ -4993,7 +4987,7 @@
             </a:endParaRPr>
           </a:p>
           <a:p>
-            <a:pPr marL="421920" indent="-342360">
+            <a:pPr marL="421920" indent="-342000">
               <a:lnSpc>
                 <a:spcPct val="100000"/>
               </a:lnSpc>
@@ -5038,7 +5032,7 @@
             </a:endParaRPr>
           </a:p>
           <a:p>
-            <a:pPr marL="421920" indent="-342360">
+            <a:pPr marL="421920" indent="-342000">
               <a:lnSpc>
                 <a:spcPct val="100000"/>
               </a:lnSpc>
@@ -5087,7 +5081,7 @@
         <p:spPr>
           <a:xfrm>
             <a:off x="7409520" y="3075840"/>
-            <a:ext cx="1226160" cy="1279440"/>
+            <a:ext cx="1225800" cy="1279080"/>
           </a:xfrm>
           <a:prstGeom prst="rect">
             <a:avLst/>
@@ -5165,7 +5159,7 @@
         <p:spPr>
           <a:xfrm>
             <a:off x="457200" y="205200"/>
-            <a:ext cx="8226360" cy="854280"/>
+            <a:ext cx="8226000" cy="853920"/>
           </a:xfrm>
           <a:prstGeom prst="rect">
             <a:avLst/>
@@ -5214,7 +5208,7 @@
         <p:spPr>
           <a:xfrm>
             <a:off x="731520" y="1463040"/>
-            <a:ext cx="7769880" cy="2391480"/>
+            <a:ext cx="7769520" cy="2391120"/>
           </a:xfrm>
           <a:prstGeom prst="rect">
             <a:avLst/>
@@ -5343,7 +5337,7 @@
         <p:spPr>
           <a:xfrm>
             <a:off x="6097680" y="4389480"/>
-            <a:ext cx="2952360" cy="229680"/>
+            <a:ext cx="2952000" cy="229320"/>
           </a:xfrm>
           <a:prstGeom prst="rect">
             <a:avLst/>
@@ -5396,7 +5390,7 @@
         <p:spPr>
           <a:xfrm>
             <a:off x="7315200" y="3112920"/>
-            <a:ext cx="1275840" cy="1275840"/>
+            <a:ext cx="1275480" cy="1275480"/>
           </a:xfrm>
           <a:prstGeom prst="rect">
             <a:avLst/>
@@ -5474,7 +5468,7 @@
         <p:spPr>
           <a:xfrm>
             <a:off x="457200" y="205200"/>
-            <a:ext cx="8226360" cy="854280"/>
+            <a:ext cx="8226000" cy="853920"/>
           </a:xfrm>
           <a:prstGeom prst="rect">
             <a:avLst/>
@@ -5523,7 +5517,7 @@
         <p:spPr>
           <a:xfrm>
             <a:off x="768240" y="1211760"/>
-            <a:ext cx="7769880" cy="2391480"/>
+            <a:ext cx="7769520" cy="2391120"/>
           </a:xfrm>
           <a:prstGeom prst="rect">
             <a:avLst/>
@@ -5762,7 +5756,7 @@
         <p:spPr>
           <a:xfrm>
             <a:off x="6097680" y="4389480"/>
-            <a:ext cx="2952360" cy="229680"/>
+            <a:ext cx="2952000" cy="229320"/>
           </a:xfrm>
           <a:prstGeom prst="rect">
             <a:avLst/>
@@ -5815,7 +5809,7 @@
         <p:spPr>
           <a:xfrm>
             <a:off x="6366240" y="1977120"/>
-            <a:ext cx="1314720" cy="1314720"/>
+            <a:ext cx="1314360" cy="1314360"/>
           </a:xfrm>
           <a:prstGeom prst="rect">
             <a:avLst/>
@@ -5893,7 +5887,7 @@
         <p:spPr>
           <a:xfrm>
             <a:off x="768240" y="1283760"/>
-            <a:ext cx="3619800" cy="2882520"/>
+            <a:ext cx="3619440" cy="2882160"/>
           </a:xfrm>
           <a:prstGeom prst="rect">
             <a:avLst/>
@@ -5942,7 +5936,7 @@
             </a:endParaRPr>
           </a:p>
           <a:p>
-            <a:pPr lvl="1" marL="432000" indent="-214920">
+            <a:pPr lvl="1" marL="432000" indent="-214560">
               <a:lnSpc>
                 <a:spcPct val="100000"/>
               </a:lnSpc>
@@ -5968,7 +5962,7 @@
             </a:endParaRPr>
           </a:p>
           <a:p>
-            <a:pPr lvl="1" marL="432000" indent="-214920">
+            <a:pPr lvl="1" marL="432000" indent="-214560">
               <a:lnSpc>
                 <a:spcPct val="100000"/>
               </a:lnSpc>
@@ -5994,7 +5988,7 @@
             </a:endParaRPr>
           </a:p>
           <a:p>
-            <a:pPr lvl="1" marL="432000" indent="-214920">
+            <a:pPr lvl="1" marL="432000" indent="-214560">
               <a:lnSpc>
                 <a:spcPct val="100000"/>
               </a:lnSpc>
@@ -6020,7 +6014,7 @@
             </a:endParaRPr>
           </a:p>
           <a:p>
-            <a:pPr lvl="1" marL="432000" indent="-214920">
+            <a:pPr lvl="1" marL="432000" indent="-214560">
               <a:lnSpc>
                 <a:spcPct val="100000"/>
               </a:lnSpc>
@@ -6106,7 +6100,7 @@
             </a:endParaRPr>
           </a:p>
           <a:p>
-            <a:pPr lvl="1" marL="432000" indent="-214920">
+            <a:pPr lvl="1" marL="432000" indent="-214560">
               <a:lnSpc>
                 <a:spcPct val="100000"/>
               </a:lnSpc>
@@ -6132,7 +6126,7 @@
             </a:endParaRPr>
           </a:p>
           <a:p>
-            <a:pPr lvl="1" marL="432000" indent="-214920">
+            <a:pPr lvl="1" marL="432000" indent="-214560">
               <a:lnSpc>
                 <a:spcPct val="100000"/>
               </a:lnSpc>
@@ -6158,7 +6152,7 @@
             </a:endParaRPr>
           </a:p>
           <a:p>
-            <a:pPr lvl="1" marL="432000" indent="-214920">
+            <a:pPr lvl="1" marL="432000" indent="-214560">
               <a:lnSpc>
                 <a:spcPct val="100000"/>
               </a:lnSpc>
@@ -6194,7 +6188,7 @@
         <p:spPr>
           <a:xfrm>
             <a:off x="457200" y="205200"/>
-            <a:ext cx="8226360" cy="854280"/>
+            <a:ext cx="8226000" cy="853920"/>
           </a:xfrm>
           <a:prstGeom prst="rect">
             <a:avLst/>
@@ -6243,7 +6237,7 @@
         <p:spPr>
           <a:xfrm>
             <a:off x="5134320" y="1244160"/>
-            <a:ext cx="3565080" cy="2958120"/>
+            <a:ext cx="3564720" cy="2957760"/>
           </a:xfrm>
           <a:prstGeom prst="rect">
             <a:avLst/>
@@ -6292,7 +6286,7 @@
             </a:endParaRPr>
           </a:p>
           <a:p>
-            <a:pPr lvl="1" marL="432000" indent="-214920">
+            <a:pPr lvl="1" marL="432000" indent="-214560">
               <a:lnSpc>
                 <a:spcPct val="100000"/>
               </a:lnSpc>
@@ -6318,7 +6312,7 @@
             </a:endParaRPr>
           </a:p>
           <a:p>
-            <a:pPr lvl="1" marL="432000" indent="-214920">
+            <a:pPr lvl="1" marL="432000" indent="-214560">
               <a:lnSpc>
                 <a:spcPct val="100000"/>
               </a:lnSpc>
@@ -6424,7 +6418,7 @@
             </a:endParaRPr>
           </a:p>
           <a:p>
-            <a:pPr lvl="1" marL="432000" indent="-214920">
+            <a:pPr lvl="1" marL="432000" indent="-214560">
               <a:lnSpc>
                 <a:spcPct val="100000"/>
               </a:lnSpc>
@@ -6519,7 +6513,7 @@
         <p:spPr>
           <a:xfrm>
             <a:off x="457200" y="205200"/>
-            <a:ext cx="8226360" cy="854280"/>
+            <a:ext cx="8226000" cy="853920"/>
           </a:xfrm>
           <a:prstGeom prst="rect">
             <a:avLst/>
@@ -6568,7 +6562,7 @@
         <p:spPr>
           <a:xfrm>
             <a:off x="768240" y="1371600"/>
-            <a:ext cx="7769880" cy="2159640"/>
+            <a:ext cx="7769520" cy="2159280"/>
           </a:xfrm>
           <a:prstGeom prst="rect">
             <a:avLst/>
@@ -6617,7 +6611,7 @@
             </a:endParaRPr>
           </a:p>
           <a:p>
-            <a:pPr lvl="1" marL="432000" indent="-214920">
+            <a:pPr lvl="1" marL="432000" indent="-214560">
               <a:lnSpc>
                 <a:spcPct val="100000"/>
               </a:lnSpc>
@@ -6643,7 +6637,7 @@
             </a:endParaRPr>
           </a:p>
           <a:p>
-            <a:pPr lvl="1" marL="432000" indent="-214920">
+            <a:pPr lvl="1" marL="432000" indent="-214560">
               <a:lnSpc>
                 <a:spcPct val="100000"/>
               </a:lnSpc>
@@ -6669,7 +6663,7 @@
             </a:endParaRPr>
           </a:p>
           <a:p>
-            <a:pPr lvl="2" marL="648000" indent="-214920">
+            <a:pPr lvl="2" marL="648000" indent="-214560">
               <a:lnSpc>
                 <a:spcPct val="100000"/>
               </a:lnSpc>
@@ -6695,7 +6689,7 @@
             </a:endParaRPr>
           </a:p>
           <a:p>
-            <a:pPr lvl="2" marL="648000" indent="-214920">
+            <a:pPr lvl="2" marL="648000" indent="-214560">
               <a:lnSpc>
                 <a:spcPct val="100000"/>
               </a:lnSpc>
@@ -6721,7 +6715,7 @@
             </a:endParaRPr>
           </a:p>
           <a:p>
-            <a:pPr lvl="2" marL="648000" indent="-214920">
+            <a:pPr lvl="2" marL="648000" indent="-214560">
               <a:lnSpc>
                 <a:spcPct val="100000"/>
               </a:lnSpc>
@@ -6787,7 +6781,7 @@
             </a:endParaRPr>
           </a:p>
           <a:p>
-            <a:pPr lvl="1" marL="432000" indent="-214920">
+            <a:pPr lvl="1" marL="432000" indent="-214560">
               <a:lnSpc>
                 <a:spcPct val="100000"/>
               </a:lnSpc>
@@ -6813,7 +6807,7 @@
             </a:endParaRPr>
           </a:p>
           <a:p>
-            <a:pPr lvl="1" marL="432000" indent="-214920">
+            <a:pPr lvl="1" marL="432000" indent="-214560">
               <a:lnSpc>
                 <a:spcPct val="100000"/>
               </a:lnSpc>
@@ -6869,7 +6863,7 @@
         <p:spPr>
           <a:xfrm>
             <a:off x="6097680" y="4389480"/>
-            <a:ext cx="2952360" cy="229680"/>
+            <a:ext cx="2952000" cy="229320"/>
           </a:xfrm>
           <a:prstGeom prst="rect">
             <a:avLst/>
@@ -6922,7 +6916,7 @@
         <p:spPr>
           <a:xfrm>
             <a:off x="6217920" y="1737360"/>
-            <a:ext cx="1645200" cy="1645200"/>
+            <a:ext cx="1644840" cy="1644840"/>
           </a:xfrm>
           <a:prstGeom prst="rect">
             <a:avLst/>
